--- a/Présentation/Présentation personnelle-balmorira.pptx
+++ b/Présentation/Présentation personnelle-balmorira.pptx
@@ -4481,8 +4481,16 @@
           <a:lstStyle/>
           <a:p>
             <a:r>
+              <a:rPr lang="fr-CH" smtClean="0"/>
+              <a:t>- </a:t>
+            </a:r>
+            <a:r>
+              <a:rPr lang="fr-CH" smtClean="0"/>
+              <a:t>Rôles </a:t>
+            </a:r>
+            <a:r>
               <a:rPr lang="fr-CH" dirty="0" smtClean="0"/>
-              <a:t>- Rôle Belbin</a:t>
+              <a:t>Belbin</a:t>
             </a:r>
           </a:p>
           <a:p>
@@ -4572,7 +4580,11 @@
             <a:pPr algn="ctr"/>
             <a:r>
               <a:rPr lang="fr-CH" dirty="0" smtClean="0"/>
-              <a:t>Rôle Belbin</a:t>
+              <a:t>Rôles </a:t>
+            </a:r>
+            <a:r>
+              <a:rPr lang="fr-CH" dirty="0" smtClean="0"/>
+              <a:t>Belbin</a:t>
             </a:r>
             <a:endParaRPr lang="fr-CH" dirty="0"/>
           </a:p>
@@ -4615,7 +4627,11 @@
             <a:pPr lvl="1"/>
             <a:r>
               <a:rPr lang="fr-CH" dirty="0" smtClean="0"/>
-              <a:t>A le soucie du détail et n’aime pas</a:t>
+              <a:t>A le soucie du détail et n’aime </a:t>
+            </a:r>
+            <a:r>
+              <a:rPr lang="fr-CH" dirty="0" smtClean="0"/>
+              <a:t>pas déléguer</a:t>
             </a:r>
             <a:endParaRPr lang="fr-CH" dirty="0"/>
           </a:p>
